--- a/base_figures/wkflow_0.pptx
+++ b/base_figures/wkflow_0.pptx
@@ -104,6 +104,11 @@
       </a:defRPr>
     </a:lvl9pPr>
   </p:defaultTextStyle>
+  <p:extLst>
+    <p:ext uri="{EFAFB233-063F-42B5-8137-9DF3F51BA10A}">
+      <p15:sldGuideLst xmlns:p15="http://schemas.microsoft.com/office/powerpoint/2012/main"/>
+    </p:ext>
+  </p:extLst>
 </p:presentation>
 </file>
 
@@ -3401,8 +3406,8 @@
           </p:nvSpPr>
           <p:spPr>
             <a:xfrm>
-              <a:off x="2192059" y="3219189"/>
-              <a:ext cx="1691012" cy="400110"/>
+              <a:off x="2131407" y="3219189"/>
+              <a:ext cx="1812314" cy="400110"/>
             </a:xfrm>
             <a:prstGeom prst="rect">
               <a:avLst/>
@@ -3844,8 +3849,8 @@
           </p:nvSpPr>
           <p:spPr>
             <a:xfrm>
-              <a:off x="11342215" y="3068877"/>
-              <a:ext cx="1302707" cy="646331"/>
+              <a:off x="11292305" y="3068877"/>
+              <a:ext cx="1352617" cy="646331"/>
             </a:xfrm>
             <a:prstGeom prst="rect">
               <a:avLst/>
@@ -4157,8 +4162,8 @@
           </p:nvSpPr>
           <p:spPr>
             <a:xfrm>
-              <a:off x="520232" y="4077501"/>
-              <a:ext cx="857225" cy="369332"/>
+              <a:off x="334028" y="4077501"/>
+              <a:ext cx="1229636" cy="369332"/>
             </a:xfrm>
             <a:prstGeom prst="rect">
               <a:avLst/>
@@ -4193,8 +4198,8 @@
           </p:nvSpPr>
           <p:spPr>
             <a:xfrm>
-              <a:off x="2605808" y="4077501"/>
-              <a:ext cx="857225" cy="369332"/>
+              <a:off x="2233398" y="4077501"/>
+              <a:ext cx="1543472" cy="369332"/>
             </a:xfrm>
             <a:prstGeom prst="rect">
               <a:avLst/>
@@ -4229,8 +4234,8 @@
           </p:nvSpPr>
           <p:spPr>
             <a:xfrm>
-              <a:off x="4890776" y="4077501"/>
-              <a:ext cx="857225" cy="369332"/>
+              <a:off x="4572000" y="4077501"/>
+              <a:ext cx="1524000" cy="369332"/>
             </a:xfrm>
             <a:prstGeom prst="rect">
               <a:avLst/>
@@ -4265,8 +4270,8 @@
           </p:nvSpPr>
           <p:spPr>
             <a:xfrm>
-              <a:off x="7172600" y="4077501"/>
-              <a:ext cx="857225" cy="369332"/>
+              <a:off x="6755707" y="4077501"/>
+              <a:ext cx="1691011" cy="369332"/>
             </a:xfrm>
             <a:prstGeom prst="rect">
               <a:avLst/>
@@ -4301,8 +4306,8 @@
           </p:nvSpPr>
           <p:spPr>
             <a:xfrm>
-              <a:off x="9454424" y="4079581"/>
-              <a:ext cx="857225" cy="369332"/>
+              <a:off x="9082014" y="4079581"/>
+              <a:ext cx="1646529" cy="369332"/>
             </a:xfrm>
             <a:prstGeom prst="rect">
               <a:avLst/>
@@ -4337,8 +4342,8 @@
           </p:nvSpPr>
           <p:spPr>
             <a:xfrm>
-              <a:off x="11540000" y="4077501"/>
-              <a:ext cx="857225" cy="369332"/>
+              <a:off x="11342214" y="4077501"/>
+              <a:ext cx="1302707" cy="369332"/>
             </a:xfrm>
             <a:prstGeom prst="rect">
               <a:avLst/>
